--- a/Semestre I/CATEDRA UNADISTA/AnaMariaTibaduiza_1288.pptx
+++ b/Semestre I/CATEDRA UNADISTA/AnaMariaTibaduiza_1288.pptx
@@ -594,7 +594,7 @@
           <a:p>
             <a:fld id="{A76EB9D5-7E1A-4433-8B21-2237CC26FA2C}" type="datetimeFigureOut">
               <a:rPr lang="en-US" dirty="0"/>
-              <a:t>11/19/2020</a:t>
+              <a:t>11/25/2020</a:t>
             </a:fld>
             <a:endParaRPr lang="en-US" dirty="0"/>
           </a:p>
@@ -792,7 +792,7 @@
           <a:p>
             <a:fld id="{62598A19-B9D6-4696-A74D-9FEF900C8B6A}" type="datetimeFigureOut">
               <a:rPr lang="en-US" dirty="0"/>
-              <a:t>11/19/2020</a:t>
+              <a:t>11/25/2020</a:t>
             </a:fld>
             <a:endParaRPr lang="en-US" dirty="0"/>
           </a:p>
@@ -967,7 +967,7 @@
           <a:p>
             <a:fld id="{9A205100-39B0-4914-BBD6-34F267582565}" type="datetimeFigureOut">
               <a:rPr lang="en-US" dirty="0"/>
-              <a:t>11/19/2020</a:t>
+              <a:t>11/25/2020</a:t>
             </a:fld>
             <a:endParaRPr lang="en-US" dirty="0"/>
           </a:p>
@@ -1132,7 +1132,7 @@
           <a:p>
             <a:fld id="{539EF837-FEDB-44F2-8FB5-4F56FC548A33}" type="datetimeFigureOut">
               <a:rPr lang="en-US" dirty="0"/>
-              <a:t>11/19/2020</a:t>
+              <a:t>11/25/2020</a:t>
             </a:fld>
             <a:endParaRPr lang="en-US" dirty="0"/>
           </a:p>
@@ -1707,7 +1707,7 @@
           <a:p>
             <a:fld id="{4EC2AB55-62C0-407E-B706-C907B44B0BFC}" type="datetimeFigureOut">
               <a:rPr lang="en-US" dirty="0"/>
-              <a:t>11/19/2020</a:t>
+              <a:t>11/25/2020</a:t>
             </a:fld>
             <a:endParaRPr lang="en-US" dirty="0"/>
           </a:p>
@@ -2004,7 +2004,7 @@
           <a:p>
             <a:fld id="{69FBB33F-FEF5-4E73-A5F9-307689FE77C6}" type="datetimeFigureOut">
               <a:rPr lang="en-US" dirty="0"/>
-              <a:t>11/19/2020</a:t>
+              <a:t>11/25/2020</a:t>
             </a:fld>
             <a:endParaRPr lang="en-US" dirty="0"/>
           </a:p>
@@ -2436,7 +2436,7 @@
           <a:p>
             <a:fld id="{A64B5FA4-F0B8-4D71-BC92-932E3A1502F8}" type="datetimeFigureOut">
               <a:rPr lang="en-US" dirty="0"/>
-              <a:t>11/19/2020</a:t>
+              <a:t>11/25/2020</a:t>
             </a:fld>
             <a:endParaRPr lang="en-US" dirty="0"/>
           </a:p>
@@ -2549,7 +2549,7 @@
           <a:p>
             <a:fld id="{4FD89F80-C2CE-4D6A-80E4-D3515AD92BC6}" type="datetimeFigureOut">
               <a:rPr lang="en-US" dirty="0"/>
-              <a:t>11/19/2020</a:t>
+              <a:t>11/25/2020</a:t>
             </a:fld>
             <a:endParaRPr lang="en-US" dirty="0"/>
           </a:p>
@@ -2639,7 +2639,7 @@
           <a:p>
             <a:fld id="{03E4220E-EF40-477E-B84C-637FC7CE78DB}" type="datetimeFigureOut">
               <a:rPr lang="en-US" dirty="0"/>
-              <a:t>11/19/2020</a:t>
+              <a:t>11/25/2020</a:t>
             </a:fld>
             <a:endParaRPr lang="en-US" dirty="0"/>
           </a:p>
@@ -2978,7 +2978,7 @@
           <a:p>
             <a:fld id="{FD0B8D63-E026-4E54-B301-C824E1BD14F3}" type="datetimeFigureOut">
               <a:rPr lang="en-US" dirty="0"/>
-              <a:t>11/19/2020</a:t>
+              <a:t>11/25/2020</a:t>
             </a:fld>
             <a:endParaRPr lang="en-US" dirty="0"/>
           </a:p>
@@ -3363,7 +3363,7 @@
           <a:p>
             <a:fld id="{6C423185-9573-406A-8068-0AB4F2335019}" type="datetimeFigureOut">
               <a:rPr lang="en-US" dirty="0"/>
-              <a:t>11/19/2020</a:t>
+              <a:t>11/25/2020</a:t>
             </a:fld>
             <a:endParaRPr lang="en-US" dirty="0"/>
           </a:p>
@@ -3667,7 +3667,7 @@
           <a:p>
             <a:fld id="{6C5516DA-9D86-4E1E-A623-C11F9F74EB59}" type="datetimeFigureOut">
               <a:rPr lang="en-US" dirty="0"/>
-              <a:t>11/19/2020</a:t>
+              <a:t>11/25/2020</a:t>
             </a:fld>
             <a:endParaRPr lang="en-US" dirty="0"/>
           </a:p>
@@ -4238,6 +4238,15 @@
               </a:rPr>
               <a:t>Unadista</a:t>
             </a:r>
+            <a:r>
+              <a:rPr lang="es-CO" sz="1800" dirty="0">
+                <a:effectLst/>
+                <a:latin typeface="Calibri" panose="020F0502020204030204" pitchFamily="34" charset="0"/>
+                <a:ea typeface="Calibri" panose="020F0502020204030204" pitchFamily="34" charset="0"/>
+                <a:cs typeface="Times New Roman" panose="02020603050405020304" pitchFamily="18" charset="0"/>
+              </a:rPr>
+              <a:t/>
+            </a:r>
             <a:br>
               <a:rPr lang="es-CO" sz="1800" dirty="0">
                 <a:effectLst/>
@@ -4282,6 +4291,15 @@
               </a:rPr>
               <a:t> María Tibaduiza Vega </a:t>
             </a:r>
+            <a:r>
+              <a:rPr lang="es-CO" sz="1800" dirty="0">
+                <a:effectLst/>
+                <a:latin typeface="Calibri" panose="020F0502020204030204" pitchFamily="34" charset="0"/>
+                <a:ea typeface="Calibri" panose="020F0502020204030204" pitchFamily="34" charset="0"/>
+                <a:cs typeface="Times New Roman" panose="02020603050405020304" pitchFamily="18" charset="0"/>
+              </a:rPr>
+              <a:t/>
+            </a:r>
             <a:br>
               <a:rPr lang="es-CO" sz="1800" dirty="0">
                 <a:effectLst/>
@@ -4299,6 +4317,15 @@
               </a:rPr>
               <a:t> Tutora:  Alba María Mondragón Sánchez</a:t>
             </a:r>
+            <a:r>
+              <a:rPr lang="es-CO" sz="1800" dirty="0">
+                <a:effectLst/>
+                <a:latin typeface="Calibri" panose="020F0502020204030204" pitchFamily="34" charset="0"/>
+                <a:ea typeface="Calibri" panose="020F0502020204030204" pitchFamily="34" charset="0"/>
+                <a:cs typeface="Times New Roman" panose="02020603050405020304" pitchFamily="18" charset="0"/>
+              </a:rPr>
+              <a:t/>
+            </a:r>
             <a:br>
               <a:rPr lang="es-CO" sz="1800" dirty="0">
                 <a:effectLst/>
@@ -4316,6 +4343,15 @@
               </a:rPr>
               <a:t>Grupo 1288</a:t>
             </a:r>
+            <a:r>
+              <a:rPr lang="es-CO" sz="1800" dirty="0">
+                <a:effectLst/>
+                <a:latin typeface="Calibri" panose="020F0502020204030204" pitchFamily="34" charset="0"/>
+                <a:ea typeface="Calibri" panose="020F0502020204030204" pitchFamily="34" charset="0"/>
+                <a:cs typeface="Times New Roman" panose="02020603050405020304" pitchFamily="18" charset="0"/>
+              </a:rPr>
+              <a:t/>
+            </a:r>
             <a:br>
               <a:rPr lang="es-CO" sz="1800" dirty="0">
                 <a:effectLst/>
@@ -4332,6 +4368,15 @@
                 <a:cs typeface="Times New Roman" panose="02020603050405020304" pitchFamily="18" charset="0"/>
               </a:rPr>
               <a:t>Universidad Nacional Abierta y a Distancia UNAD</a:t>
+            </a:r>
+            <a:r>
+              <a:rPr lang="es-CO" sz="1800" dirty="0">
+                <a:effectLst/>
+                <a:latin typeface="Calibri" panose="020F0502020204030204" pitchFamily="34" charset="0"/>
+                <a:ea typeface="Calibri" panose="020F0502020204030204" pitchFamily="34" charset="0"/>
+                <a:cs typeface="Times New Roman" panose="02020603050405020304" pitchFamily="18" charset="0"/>
+              </a:rPr>
+              <a:t/>
             </a:r>
             <a:br>
               <a:rPr lang="es-CO" sz="1800" dirty="0">
@@ -4358,6 +4403,13 @@
   <p:transition spd="slow">
     <p:push dir="u"/>
   </p:transition>
+  <p:timing>
+    <p:tnLst>
+      <p:par>
+        <p:cTn id="1" dur="indefinite" restart="never" nodeType="tmRoot"/>
+      </p:par>
+    </p:tnLst>
+  </p:timing>
 </p:sld>
 </file>
 
@@ -4481,6 +4533,13 @@
       </p:transition>
     </mc:Fallback>
   </mc:AlternateContent>
+  <p:timing>
+    <p:tnLst>
+      <p:par>
+        <p:cTn id="1" dur="indefinite" restart="never" nodeType="tmRoot"/>
+      </p:par>
+    </p:tnLst>
+  </p:timing>
 </p:sld>
 </file>
 
@@ -4576,13 +4635,13 @@
   <p:clrMapOvr>
     <a:masterClrMapping/>
   </p:clrMapOvr>
-  <mc:AlternateContent xmlns:mc="http://schemas.openxmlformats.org/markup-compatibility/2006" xmlns:p159="http://schemas.microsoft.com/office/powerpoint/2015/09/main">
-    <mc:Choice Requires="p159">
+  <mc:AlternateContent xmlns:mc="http://schemas.openxmlformats.org/markup-compatibility/2006">
+    <mc:Choice xmlns:p159="http://schemas.microsoft.com/office/powerpoint/2015/09/main" xmlns="" Requires="p159">
       <p:transition xmlns:p14="http://schemas.microsoft.com/office/powerpoint/2010/main" spd="slow" p14:dur="2000">
         <p159:morph option="byObject"/>
       </p:transition>
     </mc:Choice>
-    <mc:Fallback xmlns="">
+    <mc:Fallback>
       <p:transition spd="slow">
         <p:fade/>
       </p:transition>
@@ -7405,7 +7464,11 @@
             </a:r>
             <a:r>
               <a:rPr lang="es-ES" dirty="0"/>
-              <a:t>resaltando los beneficios y aspectos positivos del nodo virtual.</a:t>
+              <a:t>resaltando los beneficios y aspectos positivos del nodo </a:t>
+            </a:r>
+            <a:r>
+              <a:rPr lang="es-ES" dirty="0" smtClean="0"/>
+              <a:t>virtual</a:t>
             </a:r>
             <a:endParaRPr lang="es-CO" dirty="0"/>
           </a:p>
@@ -7713,6 +7776,13 @@
   <p:transition spd="slow">
     <p:push dir="u"/>
   </p:transition>
+  <p:timing>
+    <p:tnLst>
+      <p:par>
+        <p:cTn id="1" dur="indefinite" restart="never" nodeType="tmRoot"/>
+      </p:par>
+    </p:tnLst>
+  </p:timing>
 </p:sld>
 </file>
 
